--- a/Presentations/SOABuildingTheArch/SOA Arch.pptx
+++ b/Presentations/SOABuildingTheArch/SOA Arch.pptx
@@ -12,10 +12,11 @@
     <p:sldId id="261" r:id="rId6"/>
     <p:sldId id="262" r:id="rId7"/>
     <p:sldId id="260" r:id="rId8"/>
-    <p:sldId id="264" r:id="rId9"/>
-    <p:sldId id="265" r:id="rId10"/>
-    <p:sldId id="266" r:id="rId11"/>
-    <p:sldId id="263" r:id="rId12"/>
+    <p:sldId id="267" r:id="rId9"/>
+    <p:sldId id="264" r:id="rId10"/>
+    <p:sldId id="265" r:id="rId11"/>
+    <p:sldId id="266" r:id="rId12"/>
+    <p:sldId id="263" r:id="rId13"/>
   </p:sldIdLst>
   <p:sldSz cx="9144000" cy="6858000" type="screen4x3"/>
   <p:notesSz cx="6858000" cy="9144000"/>
@@ -309,7 +310,7 @@
                 <a:cs typeface="+mn-cs"/>
               </a:rPr>
               <a:pPr algn="l" rtl="0"/>
-              <a:t>2/21/2008</a:t>
+              <a:t>8/21/2008</a:t>
             </a:fld>
             <a:endParaRPr lang="en-US" sz="1200" kern="1200">
               <a:solidFill>
@@ -524,7 +525,7 @@
                 <a:cs typeface="+mn-cs"/>
               </a:rPr>
               <a:pPr algn="l" rtl="0"/>
-              <a:t>2/21/2008</a:t>
+              <a:t>8/21/2008</a:t>
             </a:fld>
             <a:endParaRPr lang="en-US" sz="1200" kern="1200">
               <a:solidFill>
@@ -749,7 +750,7 @@
                 <a:cs typeface="+mn-cs"/>
               </a:rPr>
               <a:pPr algn="l" rtl="0"/>
-              <a:t>2/21/2008</a:t>
+              <a:t>8/21/2008</a:t>
             </a:fld>
             <a:endParaRPr lang="en-US" sz="1200" kern="1200">
               <a:solidFill>
@@ -1036,7 +1037,7 @@
                 <a:cs typeface="+mn-cs"/>
               </a:rPr>
               <a:pPr algn="l" rtl="0"/>
-              <a:t>2/21/2008</a:t>
+              <a:t>8/21/2008</a:t>
             </a:fld>
             <a:endParaRPr lang="en-US" sz="1200" kern="1200" dirty="0">
               <a:solidFill>
@@ -1251,7 +1252,7 @@
                 <a:cs typeface="+mn-cs"/>
               </a:rPr>
               <a:pPr algn="l" rtl="0"/>
-              <a:t>2/21/2008</a:t>
+              <a:t>8/21/2008</a:t>
             </a:fld>
             <a:endParaRPr lang="en-US" sz="1200" kern="1200" dirty="0">
               <a:solidFill>
@@ -1542,7 +1543,7 @@
                 <a:cs typeface="+mn-cs"/>
               </a:rPr>
               <a:pPr algn="l" rtl="0"/>
-              <a:t>2/21/2008</a:t>
+              <a:t>8/21/2008</a:t>
             </a:fld>
             <a:endParaRPr lang="en-US" sz="1200" kern="1200" dirty="0">
               <a:solidFill>
@@ -1875,7 +1876,7 @@
                 <a:cs typeface="+mn-cs"/>
               </a:rPr>
               <a:pPr algn="l" rtl="0"/>
-              <a:t>2/21/2008</a:t>
+              <a:t>8/21/2008</a:t>
             </a:fld>
             <a:endParaRPr lang="en-US" sz="1200" kern="1200" dirty="0">
               <a:solidFill>
@@ -2342,7 +2343,7 @@
                 <a:cs typeface="+mn-cs"/>
               </a:rPr>
               <a:pPr algn="l" rtl="0"/>
-              <a:t>2/21/2008</a:t>
+              <a:t>8/21/2008</a:t>
             </a:fld>
             <a:endParaRPr lang="en-US" sz="1200" kern="1200" dirty="0">
               <a:solidFill>
@@ -2505,7 +2506,7 @@
                 <a:cs typeface="+mn-cs"/>
               </a:rPr>
               <a:pPr algn="l" rtl="0"/>
-              <a:t>2/21/2008</a:t>
+              <a:t>8/21/2008</a:t>
             </a:fld>
             <a:endParaRPr lang="en-US" sz="1200" kern="1200" dirty="0">
               <a:solidFill>
@@ -2645,7 +2646,7 @@
                 <a:cs typeface="+mn-cs"/>
               </a:rPr>
               <a:pPr algn="l" rtl="0"/>
-              <a:t>2/21/2008</a:t>
+              <a:t>8/21/2008</a:t>
             </a:fld>
             <a:endParaRPr lang="en-US" sz="1200" kern="1200" dirty="0">
               <a:solidFill>
@@ -2967,7 +2968,7 @@
                 <a:cs typeface="+mn-cs"/>
               </a:rPr>
               <a:pPr algn="l" rtl="0"/>
-              <a:t>2/21/2008</a:t>
+              <a:t>8/21/2008</a:t>
             </a:fld>
             <a:endParaRPr lang="en-US" sz="1200" kern="1200" dirty="0">
               <a:solidFill>
@@ -3182,7 +3183,7 @@
                 <a:cs typeface="+mn-cs"/>
               </a:rPr>
               <a:pPr algn="l" rtl="0"/>
-              <a:t>2/21/2008</a:t>
+              <a:t>8/21/2008</a:t>
             </a:fld>
             <a:endParaRPr lang="en-US" sz="1200" kern="1200">
               <a:solidFill>
@@ -3480,7 +3481,7 @@
                 <a:cs typeface="+mn-cs"/>
               </a:rPr>
               <a:pPr algn="l" rtl="0"/>
-              <a:t>2/21/2008</a:t>
+              <a:t>8/21/2008</a:t>
             </a:fld>
             <a:endParaRPr lang="en-US" sz="1200" kern="1200" dirty="0">
               <a:solidFill>
@@ -3695,7 +3696,7 @@
                 <a:cs typeface="+mn-cs"/>
               </a:rPr>
               <a:pPr algn="l" rtl="0"/>
-              <a:t>2/21/2008</a:t>
+              <a:t>8/21/2008</a:t>
             </a:fld>
             <a:endParaRPr lang="en-US" sz="1200" kern="1200" dirty="0">
               <a:solidFill>
@@ -3920,7 +3921,7 @@
                 <a:cs typeface="+mn-cs"/>
               </a:rPr>
               <a:pPr algn="l" rtl="0"/>
-              <a:t>2/21/2008</a:t>
+              <a:t>8/21/2008</a:t>
             </a:fld>
             <a:endParaRPr lang="en-US" sz="1200" kern="1200" dirty="0">
               <a:solidFill>
@@ -4211,7 +4212,7 @@
                 <a:cs typeface="+mn-cs"/>
               </a:rPr>
               <a:pPr algn="l" rtl="0"/>
-              <a:t>2/21/2008</a:t>
+              <a:t>8/21/2008</a:t>
             </a:fld>
             <a:endParaRPr lang="en-US" sz="1200" kern="1200">
               <a:solidFill>
@@ -4544,7 +4545,7 @@
                 <a:cs typeface="+mn-cs"/>
               </a:rPr>
               <a:pPr algn="l" rtl="0"/>
-              <a:t>2/21/2008</a:t>
+              <a:t>8/21/2008</a:t>
             </a:fld>
             <a:endParaRPr lang="en-US" sz="1200" kern="1200">
               <a:solidFill>
@@ -5011,7 +5012,7 @@
                 <a:cs typeface="+mn-cs"/>
               </a:rPr>
               <a:pPr algn="l" rtl="0"/>
-              <a:t>2/21/2008</a:t>
+              <a:t>8/21/2008</a:t>
             </a:fld>
             <a:endParaRPr lang="en-US" sz="1200" kern="1200">
               <a:solidFill>
@@ -5174,7 +5175,7 @@
                 <a:cs typeface="+mn-cs"/>
               </a:rPr>
               <a:pPr algn="l" rtl="0"/>
-              <a:t>2/21/2008</a:t>
+              <a:t>8/21/2008</a:t>
             </a:fld>
             <a:endParaRPr lang="en-US" sz="1200" kern="1200">
               <a:solidFill>
@@ -5314,7 +5315,7 @@
                 <a:cs typeface="+mn-cs"/>
               </a:rPr>
               <a:pPr algn="l" rtl="0"/>
-              <a:t>2/21/2008</a:t>
+              <a:t>8/21/2008</a:t>
             </a:fld>
             <a:endParaRPr lang="en-US" sz="1200" kern="1200">
               <a:solidFill>
@@ -5636,7 +5637,7 @@
                 <a:cs typeface="+mn-cs"/>
               </a:rPr>
               <a:pPr algn="l" rtl="0"/>
-              <a:t>2/21/2008</a:t>
+              <a:t>8/21/2008</a:t>
             </a:fld>
             <a:endParaRPr lang="en-US" sz="1200" kern="1200">
               <a:solidFill>
@@ -5934,7 +5935,7 @@
                 <a:cs typeface="+mn-cs"/>
               </a:rPr>
               <a:pPr algn="l" rtl="0"/>
-              <a:t>2/21/2008</a:t>
+              <a:t>8/21/2008</a:t>
             </a:fld>
             <a:endParaRPr lang="en-US" sz="1200" kern="1200">
               <a:solidFill>
@@ -6192,7 +6193,7 @@
                 <a:cs typeface="+mn-cs"/>
               </a:rPr>
               <a:pPr rtl="0"/>
-              <a:t>2/21/2008</a:t>
+              <a:t>8/21/2008</a:t>
             </a:fld>
             <a:endParaRPr lang="en-US" kern="1200">
               <a:solidFill>
@@ -6317,7 +6318,7 @@
       </p:sp>
     </p:spTree>
   </p:cSld>
-  <p:clrMap bg1="lt1" tx1="dk1" bg2="lt2" tx2="dk2" accent1="accent1" accent2="accent2" accent3="accent3" accent4="accent4" accent5="accent5" accent6="accent6" hlink="hlink" folHlink="folHlink"/>
+  <p:clrMap bg1="dk1" tx1="lt1" bg2="dk2" tx2="lt2" accent1="accent1" accent2="accent2" accent3="accent3" accent4="accent4" accent5="accent5" accent6="accent6" hlink="hlink" folHlink="folHlink"/>
   <p:sldLayoutIdLst>
     <p:sldLayoutId id="2147483661" r:id="rId1"/>
     <p:sldLayoutId id="2147483662" r:id="rId2"/>
@@ -6747,7 +6748,7 @@
                 <a:cs typeface="+mn-cs"/>
               </a:rPr>
               <a:pPr rtl="0"/>
-              <a:t>2/21/2008</a:t>
+              <a:t>8/21/2008</a:t>
             </a:fld>
             <a:endParaRPr lang="en-US" kern="1200" dirty="0">
               <a:solidFill>
@@ -7142,14 +7143,6 @@
 <file path=ppt/slides/slide1.xml><?xml version="1.0" encoding="utf-8"?>
 <p:sld xmlns:a="http://schemas.openxmlformats.org/drawingml/2006/main" xmlns:r="http://schemas.openxmlformats.org/officeDocument/2006/relationships" xmlns:p="http://schemas.openxmlformats.org/presentationml/2006/main">
   <p:cSld>
-    <p:bg>
-      <p:bgPr>
-        <a:solidFill>
-          <a:schemeClr val="tx1"/>
-        </a:solidFill>
-        <a:effectLst/>
-      </p:bgPr>
-    </p:bg>
     <p:spTree>
       <p:nvGrpSpPr>
         <p:cNvPr id="1" name=""/>
@@ -7362,33 +7355,6 @@
               </a:rPr>
               <a:t>Michael C. Neel</a:t>
             </a:r>
-            <a:endParaRPr lang="en-US" sz="5400" b="1" kern="1200" spc="50" dirty="0">
-              <a:ln w="13500">
-                <a:solidFill>
-                  <a:srgbClr val="4F81BD">
-                    <a:shade val="2500"/>
-                    <a:alpha val="6500"/>
-                  </a:srgbClr>
-                </a:solidFill>
-                <a:prstDash val="solid"/>
-              </a:ln>
-              <a:solidFill>
-                <a:srgbClr val="4F81BD">
-                  <a:tint val="3000"/>
-                  <a:alpha val="95000"/>
-                </a:srgbClr>
-              </a:solidFill>
-              <a:effectLst>
-                <a:innerShdw blurRad="50900" dist="38500" dir="13500000">
-                  <a:srgbClr val="000000">
-                    <a:alpha val="60000"/>
-                  </a:srgbClr>
-                </a:innerShdw>
-              </a:effectLst>
-              <a:latin typeface="Calibri"/>
-              <a:ea typeface="+mn-ea"/>
-              <a:cs typeface="+mn-cs"/>
-            </a:endParaRPr>
           </a:p>
         </p:txBody>
       </p:sp>
@@ -7458,6 +7424,687 @@
         </p:nvSpPr>
         <p:spPr>
           <a:xfrm>
+            <a:off x="0" y="0"/>
+            <a:ext cx="5274201" cy="923330"/>
+          </a:xfrm>
+          <a:prstGeom prst="rect">
+            <a:avLst/>
+          </a:prstGeom>
+          <a:noFill/>
+        </p:spPr>
+        <p:txBody>
+          <a:bodyPr wrap="none" lIns="91440" tIns="45720" rIns="91440" bIns="45720">
+            <a:spAutoFit/>
+          </a:bodyPr>
+          <a:lstStyle/>
+          <a:p>
+            <a:pPr algn="ctr"/>
+            <a:r>
+              <a:rPr lang="en-US" sz="5400" b="1" spc="50" dirty="0" smtClean="0">
+                <a:ln w="13500">
+                  <a:solidFill>
+                    <a:schemeClr val="accent1">
+                      <a:shade val="2500"/>
+                      <a:alpha val="6500"/>
+                    </a:schemeClr>
+                  </a:solidFill>
+                  <a:prstDash val="solid"/>
+                </a:ln>
+                <a:solidFill>
+                  <a:schemeClr val="accent1">
+                    <a:tint val="3000"/>
+                    <a:alpha val="95000"/>
+                  </a:schemeClr>
+                </a:solidFill>
+                <a:effectLst>
+                  <a:innerShdw blurRad="50900" dist="38500" dir="13500000">
+                    <a:srgbClr val="000000">
+                      <a:alpha val="60000"/>
+                    </a:srgbClr>
+                  </a:innerShdw>
+                  <a:reflection blurRad="6350" stA="55000" endA="300" endPos="45500" dir="5400000" sy="-100000" algn="bl" rotWithShape="0"/>
+                </a:effectLst>
+              </a:rPr>
+              <a:t>SOA Level 301</a:t>
+            </a:r>
+            <a:endParaRPr lang="en-US" sz="5400" b="1" spc="50" dirty="0">
+              <a:ln w="13500">
+                <a:solidFill>
+                  <a:schemeClr val="accent1">
+                    <a:shade val="2500"/>
+                    <a:alpha val="6500"/>
+                  </a:schemeClr>
+                </a:solidFill>
+                <a:prstDash val="solid"/>
+              </a:ln>
+              <a:solidFill>
+                <a:schemeClr val="accent1">
+                  <a:tint val="3000"/>
+                  <a:alpha val="95000"/>
+                </a:schemeClr>
+              </a:solidFill>
+              <a:effectLst>
+                <a:innerShdw blurRad="50900" dist="38500" dir="13500000">
+                  <a:srgbClr val="000000">
+                    <a:alpha val="60000"/>
+                  </a:srgbClr>
+                </a:innerShdw>
+                <a:reflection blurRad="6350" stA="55000" endA="300" endPos="45500" dir="5400000" sy="-100000" algn="bl" rotWithShape="0"/>
+              </a:effectLst>
+            </a:endParaRPr>
+          </a:p>
+        </p:txBody>
+      </p:sp>
+      <p:sp>
+        <p:nvSpPr>
+          <p:cNvPr id="5" name="TextBox 4"/>
+          <p:cNvSpPr txBox="1"/>
+          <p:nvPr/>
+        </p:nvSpPr>
+        <p:spPr>
+          <a:xfrm>
+            <a:off x="304800" y="1447800"/>
+            <a:ext cx="5203284" cy="4031873"/>
+          </a:xfrm>
+          <a:prstGeom prst="rect">
+            <a:avLst/>
+          </a:prstGeom>
+          <a:noFill/>
+        </p:spPr>
+        <p:txBody>
+          <a:bodyPr wrap="none" rtlCol="0">
+            <a:spAutoFit/>
+          </a:bodyPr>
+          <a:lstStyle/>
+          <a:p>
+            <a:pPr>
+              <a:lnSpc>
+                <a:spcPct val="200000"/>
+              </a:lnSpc>
+              <a:buFont typeface="Wingdings" pitchFamily="2" charset="2"/>
+              <a:buChar char="Ø"/>
+            </a:pPr>
+            <a:r>
+              <a:rPr lang="en-US" sz="3200" spc="300" dirty="0" smtClean="0"/>
+              <a:t> Versioning</a:t>
+            </a:r>
+          </a:p>
+          <a:p>
+            <a:pPr>
+              <a:lnSpc>
+                <a:spcPct val="200000"/>
+              </a:lnSpc>
+              <a:buFont typeface="Wingdings" pitchFamily="2" charset="2"/>
+              <a:buChar char="Ø"/>
+            </a:pPr>
+            <a:r>
+              <a:rPr lang="en-US" sz="3200" spc="300" dirty="0" smtClean="0"/>
+              <a:t> Automation Service</a:t>
+            </a:r>
+          </a:p>
+          <a:p>
+            <a:pPr>
+              <a:lnSpc>
+                <a:spcPct val="200000"/>
+              </a:lnSpc>
+              <a:buFont typeface="Wingdings" pitchFamily="2" charset="2"/>
+              <a:buChar char="Ø"/>
+            </a:pPr>
+            <a:r>
+              <a:rPr lang="en-US" sz="3200" spc="300" dirty="0"/>
+              <a:t> </a:t>
+            </a:r>
+            <a:r>
+              <a:rPr lang="en-US" sz="3200" spc="300" dirty="0" smtClean="0"/>
+              <a:t>Concurrency (</a:t>
+            </a:r>
+            <a:r>
+              <a:rPr lang="en-US" sz="3200" spc="300" dirty="0" err="1" smtClean="0"/>
+              <a:t>Mutex</a:t>
+            </a:r>
+            <a:r>
+              <a:rPr lang="en-US" sz="3200" spc="300" dirty="0" smtClean="0"/>
+              <a:t>)</a:t>
+            </a:r>
+          </a:p>
+          <a:p>
+            <a:pPr>
+              <a:lnSpc>
+                <a:spcPct val="200000"/>
+              </a:lnSpc>
+              <a:buFont typeface="Wingdings" pitchFamily="2" charset="2"/>
+              <a:buChar char="Ø"/>
+            </a:pPr>
+            <a:r>
+              <a:rPr lang="en-US" sz="3200" spc="300" dirty="0" smtClean="0"/>
+              <a:t> Messaging?</a:t>
+            </a:r>
+          </a:p>
+        </p:txBody>
+      </p:sp>
+    </p:spTree>
+  </p:cSld>
+  <p:clrMapOvr>
+    <a:masterClrMapping/>
+  </p:clrMapOvr>
+  <p:timing>
+    <p:tnLst>
+      <p:par>
+        <p:cTn id="1" dur="indefinite" restart="never" nodeType="tmRoot">
+          <p:childTnLst>
+            <p:seq concurrent="1" nextAc="seek">
+              <p:cTn id="2" dur="indefinite" nodeType="mainSeq">
+                <p:childTnLst>
+                  <p:par>
+                    <p:cTn id="3" fill="hold">
+                      <p:stCondLst>
+                        <p:cond delay="indefinite"/>
+                      </p:stCondLst>
+                      <p:childTnLst>
+                        <p:par>
+                          <p:cTn id="4" fill="hold">
+                            <p:stCondLst>
+                              <p:cond delay="0"/>
+                            </p:stCondLst>
+                            <p:childTnLst>
+                              <p:par>
+                                <p:cTn id="5" presetID="53" presetClass="entr" presetSubtype="0" fill="hold" nodeType="clickEffect">
+                                  <p:stCondLst>
+                                    <p:cond delay="0"/>
+                                  </p:stCondLst>
+                                  <p:childTnLst>
+                                    <p:set>
+                                      <p:cBhvr>
+                                        <p:cTn id="6" dur="1" fill="hold">
+                                          <p:stCondLst>
+                                            <p:cond delay="0"/>
+                                          </p:stCondLst>
+                                        </p:cTn>
+                                        <p:tgtEl>
+                                          <p:spTgt spid="5">
+                                            <p:txEl>
+                                              <p:pRg st="0" end="0"/>
+                                            </p:txEl>
+                                          </p:spTgt>
+                                        </p:tgtEl>
+                                        <p:attrNameLst>
+                                          <p:attrName>style.visibility</p:attrName>
+                                        </p:attrNameLst>
+                                      </p:cBhvr>
+                                      <p:to>
+                                        <p:strVal val="visible"/>
+                                      </p:to>
+                                    </p:set>
+                                    <p:anim calcmode="lin" valueType="num">
+                                      <p:cBhvr>
+                                        <p:cTn id="7" dur="500" fill="hold"/>
+                                        <p:tgtEl>
+                                          <p:spTgt spid="5">
+                                            <p:txEl>
+                                              <p:pRg st="0" end="0"/>
+                                            </p:txEl>
+                                          </p:spTgt>
+                                        </p:tgtEl>
+                                        <p:attrNameLst>
+                                          <p:attrName>ppt_w</p:attrName>
+                                        </p:attrNameLst>
+                                      </p:cBhvr>
+                                      <p:tavLst>
+                                        <p:tav tm="0">
+                                          <p:val>
+                                            <p:fltVal val="0"/>
+                                          </p:val>
+                                        </p:tav>
+                                        <p:tav tm="100000">
+                                          <p:val>
+                                            <p:strVal val="#ppt_w"/>
+                                          </p:val>
+                                        </p:tav>
+                                      </p:tavLst>
+                                    </p:anim>
+                                    <p:anim calcmode="lin" valueType="num">
+                                      <p:cBhvr>
+                                        <p:cTn id="8" dur="500" fill="hold"/>
+                                        <p:tgtEl>
+                                          <p:spTgt spid="5">
+                                            <p:txEl>
+                                              <p:pRg st="0" end="0"/>
+                                            </p:txEl>
+                                          </p:spTgt>
+                                        </p:tgtEl>
+                                        <p:attrNameLst>
+                                          <p:attrName>ppt_h</p:attrName>
+                                        </p:attrNameLst>
+                                      </p:cBhvr>
+                                      <p:tavLst>
+                                        <p:tav tm="0">
+                                          <p:val>
+                                            <p:fltVal val="0"/>
+                                          </p:val>
+                                        </p:tav>
+                                        <p:tav tm="100000">
+                                          <p:val>
+                                            <p:strVal val="#ppt_h"/>
+                                          </p:val>
+                                        </p:tav>
+                                      </p:tavLst>
+                                    </p:anim>
+                                    <p:animEffect transition="in" filter="fade">
+                                      <p:cBhvr>
+                                        <p:cTn id="9" dur="500"/>
+                                        <p:tgtEl>
+                                          <p:spTgt spid="5">
+                                            <p:txEl>
+                                              <p:pRg st="0" end="0"/>
+                                            </p:txEl>
+                                          </p:spTgt>
+                                        </p:tgtEl>
+                                      </p:cBhvr>
+                                    </p:animEffect>
+                                  </p:childTnLst>
+                                </p:cTn>
+                              </p:par>
+                            </p:childTnLst>
+                          </p:cTn>
+                        </p:par>
+                      </p:childTnLst>
+                    </p:cTn>
+                  </p:par>
+                  <p:par>
+                    <p:cTn id="10" fill="hold">
+                      <p:stCondLst>
+                        <p:cond delay="indefinite"/>
+                      </p:stCondLst>
+                      <p:childTnLst>
+                        <p:par>
+                          <p:cTn id="11" fill="hold">
+                            <p:stCondLst>
+                              <p:cond delay="0"/>
+                            </p:stCondLst>
+                            <p:childTnLst>
+                              <p:par>
+                                <p:cTn id="12" presetID="53" presetClass="entr" presetSubtype="0" fill="hold" nodeType="clickEffect">
+                                  <p:stCondLst>
+                                    <p:cond delay="0"/>
+                                  </p:stCondLst>
+                                  <p:childTnLst>
+                                    <p:set>
+                                      <p:cBhvr>
+                                        <p:cTn id="13" dur="1" fill="hold">
+                                          <p:stCondLst>
+                                            <p:cond delay="0"/>
+                                          </p:stCondLst>
+                                        </p:cTn>
+                                        <p:tgtEl>
+                                          <p:spTgt spid="5">
+                                            <p:txEl>
+                                              <p:pRg st="1" end="1"/>
+                                            </p:txEl>
+                                          </p:spTgt>
+                                        </p:tgtEl>
+                                        <p:attrNameLst>
+                                          <p:attrName>style.visibility</p:attrName>
+                                        </p:attrNameLst>
+                                      </p:cBhvr>
+                                      <p:to>
+                                        <p:strVal val="visible"/>
+                                      </p:to>
+                                    </p:set>
+                                    <p:anim calcmode="lin" valueType="num">
+                                      <p:cBhvr>
+                                        <p:cTn id="14" dur="500" fill="hold"/>
+                                        <p:tgtEl>
+                                          <p:spTgt spid="5">
+                                            <p:txEl>
+                                              <p:pRg st="1" end="1"/>
+                                            </p:txEl>
+                                          </p:spTgt>
+                                        </p:tgtEl>
+                                        <p:attrNameLst>
+                                          <p:attrName>ppt_w</p:attrName>
+                                        </p:attrNameLst>
+                                      </p:cBhvr>
+                                      <p:tavLst>
+                                        <p:tav tm="0">
+                                          <p:val>
+                                            <p:fltVal val="0"/>
+                                          </p:val>
+                                        </p:tav>
+                                        <p:tav tm="100000">
+                                          <p:val>
+                                            <p:strVal val="#ppt_w"/>
+                                          </p:val>
+                                        </p:tav>
+                                      </p:tavLst>
+                                    </p:anim>
+                                    <p:anim calcmode="lin" valueType="num">
+                                      <p:cBhvr>
+                                        <p:cTn id="15" dur="500" fill="hold"/>
+                                        <p:tgtEl>
+                                          <p:spTgt spid="5">
+                                            <p:txEl>
+                                              <p:pRg st="1" end="1"/>
+                                            </p:txEl>
+                                          </p:spTgt>
+                                        </p:tgtEl>
+                                        <p:attrNameLst>
+                                          <p:attrName>ppt_h</p:attrName>
+                                        </p:attrNameLst>
+                                      </p:cBhvr>
+                                      <p:tavLst>
+                                        <p:tav tm="0">
+                                          <p:val>
+                                            <p:fltVal val="0"/>
+                                          </p:val>
+                                        </p:tav>
+                                        <p:tav tm="100000">
+                                          <p:val>
+                                            <p:strVal val="#ppt_h"/>
+                                          </p:val>
+                                        </p:tav>
+                                      </p:tavLst>
+                                    </p:anim>
+                                    <p:animEffect transition="in" filter="fade">
+                                      <p:cBhvr>
+                                        <p:cTn id="16" dur="500"/>
+                                        <p:tgtEl>
+                                          <p:spTgt spid="5">
+                                            <p:txEl>
+                                              <p:pRg st="1" end="1"/>
+                                            </p:txEl>
+                                          </p:spTgt>
+                                        </p:tgtEl>
+                                      </p:cBhvr>
+                                    </p:animEffect>
+                                  </p:childTnLst>
+                                </p:cTn>
+                              </p:par>
+                            </p:childTnLst>
+                          </p:cTn>
+                        </p:par>
+                      </p:childTnLst>
+                    </p:cTn>
+                  </p:par>
+                  <p:par>
+                    <p:cTn id="17" fill="hold">
+                      <p:stCondLst>
+                        <p:cond delay="indefinite"/>
+                      </p:stCondLst>
+                      <p:childTnLst>
+                        <p:par>
+                          <p:cTn id="18" fill="hold">
+                            <p:stCondLst>
+                              <p:cond delay="0"/>
+                            </p:stCondLst>
+                            <p:childTnLst>
+                              <p:par>
+                                <p:cTn id="19" presetID="53" presetClass="entr" presetSubtype="0" fill="hold" nodeType="clickEffect">
+                                  <p:stCondLst>
+                                    <p:cond delay="0"/>
+                                  </p:stCondLst>
+                                  <p:childTnLst>
+                                    <p:set>
+                                      <p:cBhvr>
+                                        <p:cTn id="20" dur="1" fill="hold">
+                                          <p:stCondLst>
+                                            <p:cond delay="0"/>
+                                          </p:stCondLst>
+                                        </p:cTn>
+                                        <p:tgtEl>
+                                          <p:spTgt spid="5">
+                                            <p:txEl>
+                                              <p:pRg st="2" end="2"/>
+                                            </p:txEl>
+                                          </p:spTgt>
+                                        </p:tgtEl>
+                                        <p:attrNameLst>
+                                          <p:attrName>style.visibility</p:attrName>
+                                        </p:attrNameLst>
+                                      </p:cBhvr>
+                                      <p:to>
+                                        <p:strVal val="visible"/>
+                                      </p:to>
+                                    </p:set>
+                                    <p:anim calcmode="lin" valueType="num">
+                                      <p:cBhvr>
+                                        <p:cTn id="21" dur="500" fill="hold"/>
+                                        <p:tgtEl>
+                                          <p:spTgt spid="5">
+                                            <p:txEl>
+                                              <p:pRg st="2" end="2"/>
+                                            </p:txEl>
+                                          </p:spTgt>
+                                        </p:tgtEl>
+                                        <p:attrNameLst>
+                                          <p:attrName>ppt_w</p:attrName>
+                                        </p:attrNameLst>
+                                      </p:cBhvr>
+                                      <p:tavLst>
+                                        <p:tav tm="0">
+                                          <p:val>
+                                            <p:fltVal val="0"/>
+                                          </p:val>
+                                        </p:tav>
+                                        <p:tav tm="100000">
+                                          <p:val>
+                                            <p:strVal val="#ppt_w"/>
+                                          </p:val>
+                                        </p:tav>
+                                      </p:tavLst>
+                                    </p:anim>
+                                    <p:anim calcmode="lin" valueType="num">
+                                      <p:cBhvr>
+                                        <p:cTn id="22" dur="500" fill="hold"/>
+                                        <p:tgtEl>
+                                          <p:spTgt spid="5">
+                                            <p:txEl>
+                                              <p:pRg st="2" end="2"/>
+                                            </p:txEl>
+                                          </p:spTgt>
+                                        </p:tgtEl>
+                                        <p:attrNameLst>
+                                          <p:attrName>ppt_h</p:attrName>
+                                        </p:attrNameLst>
+                                      </p:cBhvr>
+                                      <p:tavLst>
+                                        <p:tav tm="0">
+                                          <p:val>
+                                            <p:fltVal val="0"/>
+                                          </p:val>
+                                        </p:tav>
+                                        <p:tav tm="100000">
+                                          <p:val>
+                                            <p:strVal val="#ppt_h"/>
+                                          </p:val>
+                                        </p:tav>
+                                      </p:tavLst>
+                                    </p:anim>
+                                    <p:animEffect transition="in" filter="fade">
+                                      <p:cBhvr>
+                                        <p:cTn id="23" dur="500"/>
+                                        <p:tgtEl>
+                                          <p:spTgt spid="5">
+                                            <p:txEl>
+                                              <p:pRg st="2" end="2"/>
+                                            </p:txEl>
+                                          </p:spTgt>
+                                        </p:tgtEl>
+                                      </p:cBhvr>
+                                    </p:animEffect>
+                                  </p:childTnLst>
+                                </p:cTn>
+                              </p:par>
+                            </p:childTnLst>
+                          </p:cTn>
+                        </p:par>
+                      </p:childTnLst>
+                    </p:cTn>
+                  </p:par>
+                  <p:par>
+                    <p:cTn id="24" fill="hold">
+                      <p:stCondLst>
+                        <p:cond delay="indefinite"/>
+                      </p:stCondLst>
+                      <p:childTnLst>
+                        <p:par>
+                          <p:cTn id="25" fill="hold">
+                            <p:stCondLst>
+                              <p:cond delay="0"/>
+                            </p:stCondLst>
+                            <p:childTnLst>
+                              <p:par>
+                                <p:cTn id="26" presetID="53" presetClass="entr" presetSubtype="0" fill="hold" nodeType="clickEffect">
+                                  <p:stCondLst>
+                                    <p:cond delay="0"/>
+                                  </p:stCondLst>
+                                  <p:childTnLst>
+                                    <p:set>
+                                      <p:cBhvr>
+                                        <p:cTn id="27" dur="1" fill="hold">
+                                          <p:stCondLst>
+                                            <p:cond delay="0"/>
+                                          </p:stCondLst>
+                                        </p:cTn>
+                                        <p:tgtEl>
+                                          <p:spTgt spid="5">
+                                            <p:txEl>
+                                              <p:pRg st="3" end="3"/>
+                                            </p:txEl>
+                                          </p:spTgt>
+                                        </p:tgtEl>
+                                        <p:attrNameLst>
+                                          <p:attrName>style.visibility</p:attrName>
+                                        </p:attrNameLst>
+                                      </p:cBhvr>
+                                      <p:to>
+                                        <p:strVal val="visible"/>
+                                      </p:to>
+                                    </p:set>
+                                    <p:anim calcmode="lin" valueType="num">
+                                      <p:cBhvr>
+                                        <p:cTn id="28" dur="500" fill="hold"/>
+                                        <p:tgtEl>
+                                          <p:spTgt spid="5">
+                                            <p:txEl>
+                                              <p:pRg st="3" end="3"/>
+                                            </p:txEl>
+                                          </p:spTgt>
+                                        </p:tgtEl>
+                                        <p:attrNameLst>
+                                          <p:attrName>ppt_w</p:attrName>
+                                        </p:attrNameLst>
+                                      </p:cBhvr>
+                                      <p:tavLst>
+                                        <p:tav tm="0">
+                                          <p:val>
+                                            <p:fltVal val="0"/>
+                                          </p:val>
+                                        </p:tav>
+                                        <p:tav tm="100000">
+                                          <p:val>
+                                            <p:strVal val="#ppt_w"/>
+                                          </p:val>
+                                        </p:tav>
+                                      </p:tavLst>
+                                    </p:anim>
+                                    <p:anim calcmode="lin" valueType="num">
+                                      <p:cBhvr>
+                                        <p:cTn id="29" dur="500" fill="hold"/>
+                                        <p:tgtEl>
+                                          <p:spTgt spid="5">
+                                            <p:txEl>
+                                              <p:pRg st="3" end="3"/>
+                                            </p:txEl>
+                                          </p:spTgt>
+                                        </p:tgtEl>
+                                        <p:attrNameLst>
+                                          <p:attrName>ppt_h</p:attrName>
+                                        </p:attrNameLst>
+                                      </p:cBhvr>
+                                      <p:tavLst>
+                                        <p:tav tm="0">
+                                          <p:val>
+                                            <p:fltVal val="0"/>
+                                          </p:val>
+                                        </p:tav>
+                                        <p:tav tm="100000">
+                                          <p:val>
+                                            <p:strVal val="#ppt_h"/>
+                                          </p:val>
+                                        </p:tav>
+                                      </p:tavLst>
+                                    </p:anim>
+                                    <p:animEffect transition="in" filter="fade">
+                                      <p:cBhvr>
+                                        <p:cTn id="30" dur="500"/>
+                                        <p:tgtEl>
+                                          <p:spTgt spid="5">
+                                            <p:txEl>
+                                              <p:pRg st="3" end="3"/>
+                                            </p:txEl>
+                                          </p:spTgt>
+                                        </p:tgtEl>
+                                      </p:cBhvr>
+                                    </p:animEffect>
+                                  </p:childTnLst>
+                                </p:cTn>
+                              </p:par>
+                            </p:childTnLst>
+                          </p:cTn>
+                        </p:par>
+                      </p:childTnLst>
+                    </p:cTn>
+                  </p:par>
+                </p:childTnLst>
+              </p:cTn>
+              <p:prevCondLst>
+                <p:cond evt="onPrev" delay="0">
+                  <p:tgtEl>
+                    <p:sldTgt/>
+                  </p:tgtEl>
+                </p:cond>
+              </p:prevCondLst>
+              <p:nextCondLst>
+                <p:cond evt="onNext" delay="0">
+                  <p:tgtEl>
+                    <p:sldTgt/>
+                  </p:tgtEl>
+                </p:cond>
+              </p:nextCondLst>
+            </p:seq>
+          </p:childTnLst>
+        </p:cTn>
+      </p:par>
+    </p:tnLst>
+  </p:timing>
+</p:sld>
+</file>
+
+<file path=ppt/slides/slide11.xml><?xml version="1.0" encoding="utf-8"?>
+<p:sld xmlns:a="http://schemas.openxmlformats.org/drawingml/2006/main" xmlns:r="http://schemas.openxmlformats.org/officeDocument/2006/relationships" xmlns:p="http://schemas.openxmlformats.org/presentationml/2006/main">
+  <p:cSld>
+    <p:spTree>
+      <p:nvGrpSpPr>
+        <p:cNvPr id="1" name=""/>
+        <p:cNvGrpSpPr/>
+        <p:nvPr/>
+      </p:nvGrpSpPr>
+      <p:grpSpPr>
+        <a:xfrm>
+          <a:off x="0" y="0"/>
+          <a:ext cx="0" cy="0"/>
+          <a:chOff x="0" y="0"/>
+          <a:chExt cx="0" cy="0"/>
+        </a:xfrm>
+      </p:grpSpPr>
+      <p:sp>
+        <p:nvSpPr>
+          <p:cNvPr id="4" name="Rectangle 3"/>
+          <p:cNvSpPr/>
+          <p:nvPr/>
+        </p:nvSpPr>
+        <p:spPr>
+          <a:xfrm>
             <a:off x="2047110" y="187404"/>
             <a:ext cx="5049780" cy="1107996"/>
           </a:xfrm>
@@ -7515,8 +8162,8 @@
         </p:nvSpPr>
         <p:spPr>
           <a:xfrm>
-            <a:off x="1207137" y="2819400"/>
-            <a:ext cx="6729727" cy="1938992"/>
+            <a:off x="537883" y="2819400"/>
+            <a:ext cx="8068234" cy="3108543"/>
           </a:xfrm>
           <a:prstGeom prst="rect">
             <a:avLst/>
@@ -7624,8 +8271,126 @@
                 <a:ea typeface="+mn-ea"/>
                 <a:cs typeface="+mn-cs"/>
               </a:rPr>
-              <a:t>http://ViNull.Com</a:t>
-            </a:r>
+              <a:t>http://</a:t>
+            </a:r>
+            <a:r>
+              <a:rPr lang="en-US" sz="4000" b="1" kern="1200" spc="50" dirty="0" smtClean="0">
+                <a:ln w="13500">
+                  <a:solidFill>
+                    <a:srgbClr val="4F81BD">
+                      <a:shade val="2500"/>
+                      <a:alpha val="6500"/>
+                    </a:srgbClr>
+                  </a:solidFill>
+                  <a:prstDash val="solid"/>
+                </a:ln>
+                <a:solidFill>
+                  <a:srgbClr val="4F81BD">
+                    <a:tint val="3000"/>
+                    <a:alpha val="95000"/>
+                  </a:srgbClr>
+                </a:solidFill>
+                <a:effectLst>
+                  <a:innerShdw blurRad="50900" dist="38500" dir="13500000">
+                    <a:srgbClr val="000000">
+                      <a:alpha val="60000"/>
+                    </a:srgbClr>
+                  </a:innerShdw>
+                </a:effectLst>
+                <a:latin typeface="Tahoma"/>
+                <a:ea typeface="+mn-ea"/>
+                <a:cs typeface="+mn-cs"/>
+              </a:rPr>
+              <a:t>ViNull.Com</a:t>
+            </a:r>
+          </a:p>
+          <a:p>
+            <a:pPr algn="ctr" rtl="0"/>
+            <a:endParaRPr lang="en-US" sz="4000" b="1" kern="1200" spc="50" dirty="0" smtClean="0">
+              <a:ln w="13500">
+                <a:solidFill>
+                  <a:srgbClr val="4F81BD">
+                    <a:shade val="2500"/>
+                    <a:alpha val="6500"/>
+                  </a:srgbClr>
+                </a:solidFill>
+                <a:prstDash val="solid"/>
+              </a:ln>
+              <a:solidFill>
+                <a:srgbClr val="4F81BD">
+                  <a:tint val="3000"/>
+                  <a:alpha val="95000"/>
+                </a:srgbClr>
+              </a:solidFill>
+              <a:effectLst>
+                <a:innerShdw blurRad="50900" dist="38500" dir="13500000">
+                  <a:srgbClr val="000000">
+                    <a:alpha val="60000"/>
+                  </a:srgbClr>
+                </a:innerShdw>
+              </a:effectLst>
+              <a:latin typeface="Tahoma"/>
+              <a:ea typeface="+mn-ea"/>
+              <a:cs typeface="+mn-cs"/>
+            </a:endParaRPr>
+          </a:p>
+          <a:p>
+            <a:pPr algn="ctr" rtl="0"/>
+            <a:r>
+              <a:rPr lang="en-US" sz="3600" b="1" spc="50" dirty="0" smtClean="0">
+                <a:ln w="13500">
+                  <a:solidFill>
+                    <a:srgbClr val="4F81BD">
+                      <a:shade val="2500"/>
+                      <a:alpha val="6500"/>
+                    </a:srgbClr>
+                  </a:solidFill>
+                  <a:prstDash val="solid"/>
+                </a:ln>
+                <a:solidFill>
+                  <a:srgbClr val="4F81BD">
+                    <a:tint val="3000"/>
+                    <a:alpha val="95000"/>
+                  </a:srgbClr>
+                </a:solidFill>
+                <a:effectLst>
+                  <a:innerShdw blurRad="50900" dist="38500" dir="13500000">
+                    <a:srgbClr val="000000">
+                      <a:alpha val="60000"/>
+                    </a:srgbClr>
+                  </a:innerShdw>
+                </a:effectLst>
+                <a:latin typeface="Tahoma"/>
+              </a:rPr>
+              <a:t>http://code.google.com/p/vinull</a:t>
+            </a:r>
+            <a:endParaRPr lang="en-US" sz="3600" b="1" kern="1200" spc="50" dirty="0">
+              <a:ln w="13500">
+                <a:solidFill>
+                  <a:srgbClr val="4F81BD">
+                    <a:shade val="2500"/>
+                    <a:alpha val="6500"/>
+                  </a:srgbClr>
+                </a:solidFill>
+                <a:prstDash val="solid"/>
+              </a:ln>
+              <a:solidFill>
+                <a:srgbClr val="4F81BD">
+                  <a:tint val="3000"/>
+                  <a:alpha val="95000"/>
+                </a:srgbClr>
+              </a:solidFill>
+              <a:effectLst>
+                <a:innerShdw blurRad="50900" dist="38500" dir="13500000">
+                  <a:srgbClr val="000000">
+                    <a:alpha val="60000"/>
+                  </a:srgbClr>
+                </a:innerShdw>
+              </a:effectLst>
+              <a:latin typeface="Tahoma"/>
+              <a:ea typeface="+mn-ea"/>
+              <a:cs typeface="+mn-cs"/>
+            </a:endParaRPr>
           </a:p>
         </p:txBody>
       </p:sp>
@@ -7647,14 +8412,6 @@
 <file path=ppt/slides/slide2.xml><?xml version="1.0" encoding="utf-8"?>
 <p:sld xmlns:a="http://schemas.openxmlformats.org/drawingml/2006/main" xmlns:r="http://schemas.openxmlformats.org/officeDocument/2006/relationships" xmlns:p="http://schemas.openxmlformats.org/presentationml/2006/main">
   <p:cSld>
-    <p:bg>
-      <p:bgPr>
-        <a:solidFill>
-          <a:schemeClr val="tx1"/>
-        </a:solidFill>
-        <a:effectLst/>
-      </p:bgPr>
-    </p:bg>
     <p:spTree>
       <p:nvGrpSpPr>
         <p:cNvPr id="1" name=""/>
@@ -7794,14 +8551,6 @@
 <file path=ppt/slides/slide3.xml><?xml version="1.0" encoding="utf-8"?>
 <p:sld xmlns:a="http://schemas.openxmlformats.org/drawingml/2006/main" xmlns:r="http://schemas.openxmlformats.org/officeDocument/2006/relationships" xmlns:p="http://schemas.openxmlformats.org/presentationml/2006/main">
   <p:cSld>
-    <p:bg>
-      <p:bgPr>
-        <a:solidFill>
-          <a:schemeClr val="tx1"/>
-        </a:solidFill>
-        <a:effectLst/>
-      </p:bgPr>
-    </p:bg>
     <p:spTree>
       <p:nvGrpSpPr>
         <p:cNvPr id="1" name=""/>
@@ -7971,14 +8720,6 @@
 <file path=ppt/slides/slide4.xml><?xml version="1.0" encoding="utf-8"?>
 <p:sld xmlns:a="http://schemas.openxmlformats.org/drawingml/2006/main" xmlns:r="http://schemas.openxmlformats.org/officeDocument/2006/relationships" xmlns:p="http://schemas.openxmlformats.org/presentationml/2006/main">
   <p:cSld>
-    <p:bg>
-      <p:bgPr>
-        <a:solidFill>
-          <a:schemeClr val="tx1"/>
-        </a:solidFill>
-        <a:effectLst/>
-      </p:bgPr>
-    </p:bg>
     <p:spTree>
       <p:nvGrpSpPr>
         <p:cNvPr id="1" name=""/>
@@ -8090,14 +8831,6 @@
 <file path=ppt/slides/slide5.xml><?xml version="1.0" encoding="utf-8"?>
 <p:sld xmlns:a="http://schemas.openxmlformats.org/drawingml/2006/main" xmlns:r="http://schemas.openxmlformats.org/officeDocument/2006/relationships" xmlns:p="http://schemas.openxmlformats.org/presentationml/2006/main">
   <p:cSld>
-    <p:bg>
-      <p:bgPr>
-        <a:solidFill>
-          <a:schemeClr val="tx1"/>
-        </a:solidFill>
-        <a:effectLst/>
-      </p:bgPr>
-    </p:bg>
     <p:spTree>
       <p:nvGrpSpPr>
         <p:cNvPr id="1" name=""/>
@@ -8738,14 +9471,6 @@
 <file path=ppt/slides/slide6.xml><?xml version="1.0" encoding="utf-8"?>
 <p:sld xmlns:a="http://schemas.openxmlformats.org/drawingml/2006/main" xmlns:r="http://schemas.openxmlformats.org/officeDocument/2006/relationships" xmlns:p="http://schemas.openxmlformats.org/presentationml/2006/main">
   <p:cSld>
-    <p:bg>
-      <p:bgPr>
-        <a:solidFill>
-          <a:schemeClr val="tx1"/>
-        </a:solidFill>
-        <a:effectLst/>
-      </p:bgPr>
-    </p:bg>
     <p:spTree>
       <p:nvGrpSpPr>
         <p:cNvPr id="1" name=""/>
@@ -9024,14 +9749,14 @@
       </p:grpSpPr>
       <p:sp>
         <p:nvSpPr>
-          <p:cNvPr id="4" name="Rectangle 3"/>
-          <p:cNvSpPr/>
+          <p:cNvPr id="4" name="TextBox 3"/>
+          <p:cNvSpPr txBox="1"/>
           <p:nvPr/>
         </p:nvSpPr>
         <p:spPr>
           <a:xfrm>
             <a:off x="0" y="0"/>
-            <a:ext cx="5274201" cy="923330"/>
+            <a:ext cx="5179623" cy="4154984"/>
           </a:xfrm>
           <a:prstGeom prst="rect">
             <a:avLst/>
@@ -9039,65 +9764,36 @@
           <a:noFill/>
         </p:spPr>
         <p:txBody>
-          <a:bodyPr wrap="none" lIns="91440" tIns="45720" rIns="91440" bIns="45720">
+          <a:bodyPr wrap="none" rtlCol="0">
             <a:spAutoFit/>
           </a:bodyPr>
           <a:lstStyle/>
           <a:p>
-            <a:pPr algn="ctr"/>
-            <a:r>
-              <a:rPr lang="en-US" sz="5400" b="1" spc="50" dirty="0" smtClean="0">
-                <a:ln w="13500">
-                  <a:solidFill>
-                    <a:schemeClr val="accent1">
-                      <a:shade val="2500"/>
-                      <a:alpha val="6500"/>
-                    </a:schemeClr>
-                  </a:solidFill>
-                  <a:prstDash val="solid"/>
-                </a:ln>
-                <a:solidFill>
-                  <a:schemeClr val="accent1">
-                    <a:tint val="3000"/>
-                    <a:alpha val="95000"/>
-                  </a:schemeClr>
-                </a:solidFill>
-                <a:effectLst>
-                  <a:innerShdw blurRad="50900" dist="38500" dir="13500000">
-                    <a:srgbClr val="000000">
-                      <a:alpha val="60000"/>
-                    </a:srgbClr>
-                  </a:innerShdw>
-                  <a:reflection blurRad="6350" stA="55000" endA="300" endPos="45500" dir="5400000" sy="-100000" algn="bl" rotWithShape="0"/>
-                </a:effectLst>
-              </a:rPr>
-              <a:t>SOA Level 101</a:t>
-            </a:r>
-            <a:endParaRPr lang="en-US" sz="5400" b="1" spc="50" dirty="0">
-              <a:ln w="13500">
-                <a:solidFill>
-                  <a:schemeClr val="accent1">
-                    <a:shade val="2500"/>
-                    <a:alpha val="6500"/>
-                  </a:schemeClr>
-                </a:solidFill>
-                <a:prstDash val="solid"/>
-              </a:ln>
-              <a:solidFill>
-                <a:schemeClr val="accent1">
-                  <a:tint val="3000"/>
-                  <a:alpha val="95000"/>
-                </a:schemeClr>
-              </a:solidFill>
-              <a:effectLst>
-                <a:innerShdw blurRad="50900" dist="38500" dir="13500000">
-                  <a:srgbClr val="000000">
-                    <a:alpha val="60000"/>
-                  </a:srgbClr>
-                </a:innerShdw>
-                <a:reflection blurRad="6350" stA="55000" endA="300" endPos="45500" dir="5400000" sy="-100000" algn="bl" rotWithShape="0"/>
-              </a:effectLst>
-            </a:endParaRPr>
+            <a:r>
+              <a:rPr lang="en-US" sz="8800" b="1" dirty="0" smtClean="0"/>
+              <a:t>Domain</a:t>
+            </a:r>
+          </a:p>
+          <a:p>
+            <a:r>
+              <a:rPr lang="en-US" sz="8800" b="1" dirty="0" smtClean="0"/>
+              <a:t>	</a:t>
+            </a:r>
+            <a:r>
+              <a:rPr lang="en-US" sz="8800" b="1" dirty="0" smtClean="0"/>
+              <a:t>Driven</a:t>
+            </a:r>
+          </a:p>
+          <a:p>
+            <a:r>
+              <a:rPr lang="en-US" sz="8800" b="1" dirty="0" smtClean="0"/>
+              <a:t>	</a:t>
+            </a:r>
+            <a:r>
+              <a:rPr lang="en-US" sz="8800" b="1" dirty="0" smtClean="0"/>
+              <a:t>	Design</a:t>
+            </a:r>
+            <a:endParaRPr lang="en-US" sz="8800" b="1" dirty="0"/>
           </a:p>
         </p:txBody>
       </p:sp>
@@ -9109,8 +9805,8 @@
         </p:nvSpPr>
         <p:spPr>
           <a:xfrm>
-            <a:off x="304800" y="1447800"/>
-            <a:ext cx="8674169" cy="4031873"/>
+            <a:off x="5638800" y="5562600"/>
+            <a:ext cx="3105722" cy="707886"/>
           </a:xfrm>
           <a:prstGeom prst="rect">
             <a:avLst/>
@@ -9123,57 +9819,11 @@
           </a:bodyPr>
           <a:lstStyle/>
           <a:p>
-            <a:pPr>
-              <a:lnSpc>
-                <a:spcPct val="200000"/>
-              </a:lnSpc>
-              <a:buFont typeface="Wingdings" pitchFamily="2" charset="2"/>
-              <a:buChar char="Ø"/>
-            </a:pPr>
-            <a:r>
-              <a:rPr lang="en-US" sz="3200" spc="300" dirty="0" smtClean="0"/>
-              <a:t> Project Setup</a:t>
-            </a:r>
-          </a:p>
-          <a:p>
-            <a:pPr>
-              <a:lnSpc>
-                <a:spcPct val="200000"/>
-              </a:lnSpc>
-              <a:buFont typeface="Wingdings" pitchFamily="2" charset="2"/>
-              <a:buChar char="Ø"/>
-            </a:pPr>
-            <a:r>
-              <a:rPr lang="en-US" sz="3200" spc="300" dirty="0" smtClean="0"/>
-              <a:t> Supporting SOAP / REST XML / JSON</a:t>
-            </a:r>
-          </a:p>
-          <a:p>
-            <a:pPr>
-              <a:lnSpc>
-                <a:spcPct val="200000"/>
-              </a:lnSpc>
-              <a:buFont typeface="Wingdings" pitchFamily="2" charset="2"/>
-              <a:buChar char="Ø"/>
-            </a:pPr>
-            <a:r>
-              <a:rPr lang="en-US" sz="3200" spc="300" dirty="0" smtClean="0"/>
-              <a:t> Authentication methods</a:t>
-            </a:r>
-          </a:p>
-          <a:p>
-            <a:pPr>
-              <a:lnSpc>
-                <a:spcPct val="200000"/>
-              </a:lnSpc>
-              <a:buFont typeface="Wingdings" pitchFamily="2" charset="2"/>
-              <a:buChar char="Ø"/>
-            </a:pPr>
-            <a:r>
-              <a:rPr lang="en-US" sz="3200" spc="300" dirty="0" smtClean="0"/>
-              <a:t> Basic Method Structure</a:t>
-            </a:r>
-            <a:endParaRPr lang="en-US" sz="3200" spc="300" dirty="0"/>
+            <a:r>
+              <a:rPr lang="en-US" sz="4000" i="1" dirty="0" smtClean="0"/>
+              <a:t>Is your friend!</a:t>
+            </a:r>
+            <a:endParaRPr lang="en-US" sz="4000" i="1" dirty="0"/>
           </a:p>
         </p:txBody>
       </p:sp>
@@ -9203,7 +9853,7 @@
                             </p:stCondLst>
                             <p:childTnLst>
                               <p:par>
-                                <p:cTn id="5" presetID="53" presetClass="entr" presetSubtype="0" fill="hold" nodeType="clickEffect">
+                                <p:cTn id="5" presetID="7" presetClass="entr" presetSubtype="4" fill="hold" grpId="0" nodeType="clickEffect">
                                   <p:stCondLst>
                                     <p:cond delay="0"/>
                                   </p:stCondLst>
@@ -9216,11 +9866,7 @@
                                           </p:stCondLst>
                                         </p:cTn>
                                         <p:tgtEl>
-                                          <p:spTgt spid="5">
-                                            <p:txEl>
-                                              <p:pRg st="0" end="0"/>
-                                            </p:txEl>
-                                          </p:spTgt>
+                                          <p:spTgt spid="5"/>
                                         </p:tgtEl>
                                         <p:attrNameLst>
                                           <p:attrName>style.visibility</p:attrName>
@@ -9231,416 +9877,51 @@
                                       </p:to>
                                     </p:set>
                                     <p:anim calcmode="lin" valueType="num">
-                                      <p:cBhvr>
-                                        <p:cTn id="7" dur="500" fill="hold"/>
+                                      <p:cBhvr additive="base">
+                                        <p:cTn id="7" dur="5000" fill="hold"/>
                                         <p:tgtEl>
-                                          <p:spTgt spid="5">
-                                            <p:txEl>
-                                              <p:pRg st="0" end="0"/>
-                                            </p:txEl>
-                                          </p:spTgt>
+                                          <p:spTgt spid="5"/>
                                         </p:tgtEl>
                                         <p:attrNameLst>
-                                          <p:attrName>ppt_w</p:attrName>
+                                          <p:attrName>ppt_x</p:attrName>
                                         </p:attrNameLst>
                                       </p:cBhvr>
                                       <p:tavLst>
                                         <p:tav tm="0">
                                           <p:val>
-                                            <p:fltVal val="0"/>
+                                            <p:strVal val="#ppt_x"/>
                                           </p:val>
                                         </p:tav>
                                         <p:tav tm="100000">
                                           <p:val>
-                                            <p:strVal val="#ppt_w"/>
+                                            <p:strVal val="#ppt_x"/>
                                           </p:val>
                                         </p:tav>
                                       </p:tavLst>
                                     </p:anim>
                                     <p:anim calcmode="lin" valueType="num">
-                                      <p:cBhvr>
-                                        <p:cTn id="8" dur="500" fill="hold"/>
+                                      <p:cBhvr additive="base">
+                                        <p:cTn id="8" dur="5000" fill="hold"/>
                                         <p:tgtEl>
-                                          <p:spTgt spid="5">
-                                            <p:txEl>
-                                              <p:pRg st="0" end="0"/>
-                                            </p:txEl>
-                                          </p:spTgt>
+                                          <p:spTgt spid="5"/>
                                         </p:tgtEl>
                                         <p:attrNameLst>
-                                          <p:attrName>ppt_h</p:attrName>
+                                          <p:attrName>ppt_y</p:attrName>
                                         </p:attrNameLst>
                                       </p:cBhvr>
                                       <p:tavLst>
                                         <p:tav tm="0">
                                           <p:val>
-                                            <p:fltVal val="0"/>
+                                            <p:strVal val="1+#ppt_h/2"/>
                                           </p:val>
                                         </p:tav>
                                         <p:tav tm="100000">
                                           <p:val>
-                                            <p:strVal val="#ppt_h"/>
+                                            <p:strVal val="#ppt_y"/>
                                           </p:val>
                                         </p:tav>
                                       </p:tavLst>
                                     </p:anim>
-                                    <p:animEffect transition="in" filter="fade">
-                                      <p:cBhvr>
-                                        <p:cTn id="9" dur="500"/>
-                                        <p:tgtEl>
-                                          <p:spTgt spid="5">
-                                            <p:txEl>
-                                              <p:pRg st="0" end="0"/>
-                                            </p:txEl>
-                                          </p:spTgt>
-                                        </p:tgtEl>
-                                      </p:cBhvr>
-                                    </p:animEffect>
-                                  </p:childTnLst>
-                                </p:cTn>
-                              </p:par>
-                            </p:childTnLst>
-                          </p:cTn>
-                        </p:par>
-                      </p:childTnLst>
-                    </p:cTn>
-                  </p:par>
-                  <p:par>
-                    <p:cTn id="10" fill="hold">
-                      <p:stCondLst>
-                        <p:cond delay="indefinite"/>
-                      </p:stCondLst>
-                      <p:childTnLst>
-                        <p:par>
-                          <p:cTn id="11" fill="hold">
-                            <p:stCondLst>
-                              <p:cond delay="0"/>
-                            </p:stCondLst>
-                            <p:childTnLst>
-                              <p:par>
-                                <p:cTn id="12" presetID="53" presetClass="entr" presetSubtype="0" fill="hold" nodeType="clickEffect">
-                                  <p:stCondLst>
-                                    <p:cond delay="0"/>
-                                  </p:stCondLst>
-                                  <p:childTnLst>
-                                    <p:set>
-                                      <p:cBhvr>
-                                        <p:cTn id="13" dur="1" fill="hold">
-                                          <p:stCondLst>
-                                            <p:cond delay="0"/>
-                                          </p:stCondLst>
-                                        </p:cTn>
-                                        <p:tgtEl>
-                                          <p:spTgt spid="5">
-                                            <p:txEl>
-                                              <p:pRg st="1" end="1"/>
-                                            </p:txEl>
-                                          </p:spTgt>
-                                        </p:tgtEl>
-                                        <p:attrNameLst>
-                                          <p:attrName>style.visibility</p:attrName>
-                                        </p:attrNameLst>
-                                      </p:cBhvr>
-                                      <p:to>
-                                        <p:strVal val="visible"/>
-                                      </p:to>
-                                    </p:set>
-                                    <p:anim calcmode="lin" valueType="num">
-                                      <p:cBhvr>
-                                        <p:cTn id="14" dur="500" fill="hold"/>
-                                        <p:tgtEl>
-                                          <p:spTgt spid="5">
-                                            <p:txEl>
-                                              <p:pRg st="1" end="1"/>
-                                            </p:txEl>
-                                          </p:spTgt>
-                                        </p:tgtEl>
-                                        <p:attrNameLst>
-                                          <p:attrName>ppt_w</p:attrName>
-                                        </p:attrNameLst>
-                                      </p:cBhvr>
-                                      <p:tavLst>
-                                        <p:tav tm="0">
-                                          <p:val>
-                                            <p:fltVal val="0"/>
-                                          </p:val>
-                                        </p:tav>
-                                        <p:tav tm="100000">
-                                          <p:val>
-                                            <p:strVal val="#ppt_w"/>
-                                          </p:val>
-                                        </p:tav>
-                                      </p:tavLst>
-                                    </p:anim>
-                                    <p:anim calcmode="lin" valueType="num">
-                                      <p:cBhvr>
-                                        <p:cTn id="15" dur="500" fill="hold"/>
-                                        <p:tgtEl>
-                                          <p:spTgt spid="5">
-                                            <p:txEl>
-                                              <p:pRg st="1" end="1"/>
-                                            </p:txEl>
-                                          </p:spTgt>
-                                        </p:tgtEl>
-                                        <p:attrNameLst>
-                                          <p:attrName>ppt_h</p:attrName>
-                                        </p:attrNameLst>
-                                      </p:cBhvr>
-                                      <p:tavLst>
-                                        <p:tav tm="0">
-                                          <p:val>
-                                            <p:fltVal val="0"/>
-                                          </p:val>
-                                        </p:tav>
-                                        <p:tav tm="100000">
-                                          <p:val>
-                                            <p:strVal val="#ppt_h"/>
-                                          </p:val>
-                                        </p:tav>
-                                      </p:tavLst>
-                                    </p:anim>
-                                    <p:animEffect transition="in" filter="fade">
-                                      <p:cBhvr>
-                                        <p:cTn id="16" dur="500"/>
-                                        <p:tgtEl>
-                                          <p:spTgt spid="5">
-                                            <p:txEl>
-                                              <p:pRg st="1" end="1"/>
-                                            </p:txEl>
-                                          </p:spTgt>
-                                        </p:tgtEl>
-                                      </p:cBhvr>
-                                    </p:animEffect>
-                                  </p:childTnLst>
-                                </p:cTn>
-                              </p:par>
-                            </p:childTnLst>
-                          </p:cTn>
-                        </p:par>
-                      </p:childTnLst>
-                    </p:cTn>
-                  </p:par>
-                  <p:par>
-                    <p:cTn id="17" fill="hold">
-                      <p:stCondLst>
-                        <p:cond delay="indefinite"/>
-                      </p:stCondLst>
-                      <p:childTnLst>
-                        <p:par>
-                          <p:cTn id="18" fill="hold">
-                            <p:stCondLst>
-                              <p:cond delay="0"/>
-                            </p:stCondLst>
-                            <p:childTnLst>
-                              <p:par>
-                                <p:cTn id="19" presetID="53" presetClass="entr" presetSubtype="0" fill="hold" nodeType="clickEffect">
-                                  <p:stCondLst>
-                                    <p:cond delay="0"/>
-                                  </p:stCondLst>
-                                  <p:childTnLst>
-                                    <p:set>
-                                      <p:cBhvr>
-                                        <p:cTn id="20" dur="1" fill="hold">
-                                          <p:stCondLst>
-                                            <p:cond delay="0"/>
-                                          </p:stCondLst>
-                                        </p:cTn>
-                                        <p:tgtEl>
-                                          <p:spTgt spid="5">
-                                            <p:txEl>
-                                              <p:pRg st="2" end="2"/>
-                                            </p:txEl>
-                                          </p:spTgt>
-                                        </p:tgtEl>
-                                        <p:attrNameLst>
-                                          <p:attrName>style.visibility</p:attrName>
-                                        </p:attrNameLst>
-                                      </p:cBhvr>
-                                      <p:to>
-                                        <p:strVal val="visible"/>
-                                      </p:to>
-                                    </p:set>
-                                    <p:anim calcmode="lin" valueType="num">
-                                      <p:cBhvr>
-                                        <p:cTn id="21" dur="500" fill="hold"/>
-                                        <p:tgtEl>
-                                          <p:spTgt spid="5">
-                                            <p:txEl>
-                                              <p:pRg st="2" end="2"/>
-                                            </p:txEl>
-                                          </p:spTgt>
-                                        </p:tgtEl>
-                                        <p:attrNameLst>
-                                          <p:attrName>ppt_w</p:attrName>
-                                        </p:attrNameLst>
-                                      </p:cBhvr>
-                                      <p:tavLst>
-                                        <p:tav tm="0">
-                                          <p:val>
-                                            <p:fltVal val="0"/>
-                                          </p:val>
-                                        </p:tav>
-                                        <p:tav tm="100000">
-                                          <p:val>
-                                            <p:strVal val="#ppt_w"/>
-                                          </p:val>
-                                        </p:tav>
-                                      </p:tavLst>
-                                    </p:anim>
-                                    <p:anim calcmode="lin" valueType="num">
-                                      <p:cBhvr>
-                                        <p:cTn id="22" dur="500" fill="hold"/>
-                                        <p:tgtEl>
-                                          <p:spTgt spid="5">
-                                            <p:txEl>
-                                              <p:pRg st="2" end="2"/>
-                                            </p:txEl>
-                                          </p:spTgt>
-                                        </p:tgtEl>
-                                        <p:attrNameLst>
-                                          <p:attrName>ppt_h</p:attrName>
-                                        </p:attrNameLst>
-                                      </p:cBhvr>
-                                      <p:tavLst>
-                                        <p:tav tm="0">
-                                          <p:val>
-                                            <p:fltVal val="0"/>
-                                          </p:val>
-                                        </p:tav>
-                                        <p:tav tm="100000">
-                                          <p:val>
-                                            <p:strVal val="#ppt_h"/>
-                                          </p:val>
-                                        </p:tav>
-                                      </p:tavLst>
-                                    </p:anim>
-                                    <p:animEffect transition="in" filter="fade">
-                                      <p:cBhvr>
-                                        <p:cTn id="23" dur="500"/>
-                                        <p:tgtEl>
-                                          <p:spTgt spid="5">
-                                            <p:txEl>
-                                              <p:pRg st="2" end="2"/>
-                                            </p:txEl>
-                                          </p:spTgt>
-                                        </p:tgtEl>
-                                      </p:cBhvr>
-                                    </p:animEffect>
-                                  </p:childTnLst>
-                                </p:cTn>
-                              </p:par>
-                            </p:childTnLst>
-                          </p:cTn>
-                        </p:par>
-                      </p:childTnLst>
-                    </p:cTn>
-                  </p:par>
-                  <p:par>
-                    <p:cTn id="24" fill="hold">
-                      <p:stCondLst>
-                        <p:cond delay="indefinite"/>
-                      </p:stCondLst>
-                      <p:childTnLst>
-                        <p:par>
-                          <p:cTn id="25" fill="hold">
-                            <p:stCondLst>
-                              <p:cond delay="0"/>
-                            </p:stCondLst>
-                            <p:childTnLst>
-                              <p:par>
-                                <p:cTn id="26" presetID="53" presetClass="entr" presetSubtype="0" fill="hold" nodeType="clickEffect">
-                                  <p:stCondLst>
-                                    <p:cond delay="0"/>
-                                  </p:stCondLst>
-                                  <p:childTnLst>
-                                    <p:set>
-                                      <p:cBhvr>
-                                        <p:cTn id="27" dur="1" fill="hold">
-                                          <p:stCondLst>
-                                            <p:cond delay="0"/>
-                                          </p:stCondLst>
-                                        </p:cTn>
-                                        <p:tgtEl>
-                                          <p:spTgt spid="5">
-                                            <p:txEl>
-                                              <p:pRg st="3" end="3"/>
-                                            </p:txEl>
-                                          </p:spTgt>
-                                        </p:tgtEl>
-                                        <p:attrNameLst>
-                                          <p:attrName>style.visibility</p:attrName>
-                                        </p:attrNameLst>
-                                      </p:cBhvr>
-                                      <p:to>
-                                        <p:strVal val="visible"/>
-                                      </p:to>
-                                    </p:set>
-                                    <p:anim calcmode="lin" valueType="num">
-                                      <p:cBhvr>
-                                        <p:cTn id="28" dur="500" fill="hold"/>
-                                        <p:tgtEl>
-                                          <p:spTgt spid="5">
-                                            <p:txEl>
-                                              <p:pRg st="3" end="3"/>
-                                            </p:txEl>
-                                          </p:spTgt>
-                                        </p:tgtEl>
-                                        <p:attrNameLst>
-                                          <p:attrName>ppt_w</p:attrName>
-                                        </p:attrNameLst>
-                                      </p:cBhvr>
-                                      <p:tavLst>
-                                        <p:tav tm="0">
-                                          <p:val>
-                                            <p:fltVal val="0"/>
-                                          </p:val>
-                                        </p:tav>
-                                        <p:tav tm="100000">
-                                          <p:val>
-                                            <p:strVal val="#ppt_w"/>
-                                          </p:val>
-                                        </p:tav>
-                                      </p:tavLst>
-                                    </p:anim>
-                                    <p:anim calcmode="lin" valueType="num">
-                                      <p:cBhvr>
-                                        <p:cTn id="29" dur="500" fill="hold"/>
-                                        <p:tgtEl>
-                                          <p:spTgt spid="5">
-                                            <p:txEl>
-                                              <p:pRg st="3" end="3"/>
-                                            </p:txEl>
-                                          </p:spTgt>
-                                        </p:tgtEl>
-                                        <p:attrNameLst>
-                                          <p:attrName>ppt_h</p:attrName>
-                                        </p:attrNameLst>
-                                      </p:cBhvr>
-                                      <p:tavLst>
-                                        <p:tav tm="0">
-                                          <p:val>
-                                            <p:fltVal val="0"/>
-                                          </p:val>
-                                        </p:tav>
-                                        <p:tav tm="100000">
-                                          <p:val>
-                                            <p:strVal val="#ppt_h"/>
-                                          </p:val>
-                                        </p:tav>
-                                      </p:tavLst>
-                                    </p:anim>
-                                    <p:animEffect transition="in" filter="fade">
-                                      <p:cBhvr>
-                                        <p:cTn id="30" dur="500"/>
-                                        <p:tgtEl>
-                                          <p:spTgt spid="5">
-                                            <p:txEl>
-                                              <p:pRg st="3" end="3"/>
-                                            </p:txEl>
-                                          </p:spTgt>
-                                        </p:tgtEl>
-                                      </p:cBhvr>
-                                    </p:animEffect>
                                   </p:childTnLst>
                                 </p:cTn>
                               </p:par>
@@ -9671,6 +9952,9 @@
         </p:cTn>
       </p:par>
     </p:tnLst>
+    <p:bldLst>
+      <p:bldP spid="5" grpId="0"/>
+    </p:bldLst>
   </p:timing>
 </p:sld>
 </file>
@@ -9741,7 +10025,7 @@
                   <a:reflection blurRad="6350" stA="55000" endA="300" endPos="45500" dir="5400000" sy="-100000" algn="bl" rotWithShape="0"/>
                 </a:effectLst>
               </a:rPr>
-              <a:t>SOA Level 201</a:t>
+              <a:t>SOA Level 101</a:t>
             </a:r>
             <a:endParaRPr lang="en-US" sz="5400" b="1" spc="50" dirty="0">
               <a:ln w="13500">
@@ -9780,7 +10064,7 @@
         <p:spPr>
           <a:xfrm>
             <a:off x="304800" y="1447800"/>
-            <a:ext cx="4613764" cy="4031873"/>
+            <a:ext cx="8674169" cy="4031873"/>
           </a:xfrm>
           <a:prstGeom prst="rect">
             <a:avLst/>
@@ -9802,7 +10086,7 @@
             </a:pPr>
             <a:r>
               <a:rPr lang="en-US" sz="3200" spc="300" dirty="0" smtClean="0"/>
-              <a:t> Stateless</a:t>
+              <a:t> Project Setup</a:t>
             </a:r>
           </a:p>
           <a:p>
@@ -9815,13 +10099,8 @@
             </a:pPr>
             <a:r>
               <a:rPr lang="en-US" sz="3200" spc="300" dirty="0" smtClean="0"/>
-              <a:t> </a:t>
-            </a:r>
-            <a:r>
-              <a:rPr lang="en-US" sz="3200" spc="300" dirty="0" err="1" smtClean="0"/>
-              <a:t>Eventlog</a:t>
-            </a:r>
-            <a:endParaRPr lang="en-US" sz="3200" spc="300" dirty="0" smtClean="0"/>
+              <a:t> Supporting SOAP / REST XML / JSON</a:t>
+            </a:r>
           </a:p>
           <a:p>
             <a:pPr>
@@ -9832,12 +10111,8 @@
               <a:buChar char="Ø"/>
             </a:pPr>
             <a:r>
-              <a:rPr lang="en-US" sz="3200" spc="300" dirty="0"/>
-              <a:t> </a:t>
-            </a:r>
-            <a:r>
               <a:rPr lang="en-US" sz="3200" spc="300" dirty="0" smtClean="0"/>
-              <a:t>File I/O</a:t>
+              <a:t> Authentication methods</a:t>
             </a:r>
           </a:p>
           <a:p>
@@ -9850,16 +10125,9 @@
             </a:pPr>
             <a:r>
               <a:rPr lang="en-US" sz="3200" spc="300" dirty="0" smtClean="0"/>
-              <a:t> </a:t>
-            </a:r>
-            <a:r>
-              <a:rPr lang="en-US" sz="3200" spc="300" dirty="0" err="1" smtClean="0"/>
-              <a:t>XMLNode</a:t>
-            </a:r>
-            <a:r>
-              <a:rPr lang="en-US" sz="3200" spc="300" dirty="0" smtClean="0"/>
-              <a:t> Methods</a:t>
-            </a:r>
+              <a:t> Basic Method Structure</a:t>
+            </a:r>
+            <a:endParaRPr lang="en-US" sz="3200" spc="300" dirty="0"/>
           </a:p>
         </p:txBody>
       </p:sp>
@@ -10427,7 +10695,7 @@
                   <a:reflection blurRad="6350" stA="55000" endA="300" endPos="45500" dir="5400000" sy="-100000" algn="bl" rotWithShape="0"/>
                 </a:effectLst>
               </a:rPr>
-              <a:t>SOA Level 301</a:t>
+              <a:t>SOA Level 201</a:t>
             </a:r>
             <a:endParaRPr lang="en-US" sz="5400" b="1" spc="50" dirty="0">
               <a:ln w="13500">
@@ -10466,7 +10734,7 @@
         <p:spPr>
           <a:xfrm>
             <a:off x="304800" y="1447800"/>
-            <a:ext cx="5203284" cy="4031873"/>
+            <a:ext cx="4613764" cy="4031873"/>
           </a:xfrm>
           <a:prstGeom prst="rect">
             <a:avLst/>
@@ -10488,7 +10756,7 @@
             </a:pPr>
             <a:r>
               <a:rPr lang="en-US" sz="3200" spc="300" dirty="0" smtClean="0"/>
-              <a:t> Versioning</a:t>
+              <a:t> Stateless</a:t>
             </a:r>
           </a:p>
           <a:p>
@@ -10501,8 +10769,13 @@
             </a:pPr>
             <a:r>
               <a:rPr lang="en-US" sz="3200" spc="300" dirty="0" smtClean="0"/>
-              <a:t> Automation Service</a:t>
-            </a:r>
+              <a:t> </a:t>
+            </a:r>
+            <a:r>
+              <a:rPr lang="en-US" sz="3200" spc="300" dirty="0" err="1" smtClean="0"/>
+              <a:t>Eventlog</a:t>
+            </a:r>
+            <a:endParaRPr lang="en-US" sz="3200" spc="300" dirty="0" smtClean="0"/>
           </a:p>
           <a:p>
             <a:pPr>
@@ -10518,15 +10791,7 @@
             </a:r>
             <a:r>
               <a:rPr lang="en-US" sz="3200" spc="300" dirty="0" smtClean="0"/>
-              <a:t>Concurrency (</a:t>
-            </a:r>
-            <a:r>
-              <a:rPr lang="en-US" sz="3200" spc="300" dirty="0" err="1" smtClean="0"/>
-              <a:t>Mutex</a:t>
-            </a:r>
-            <a:r>
-              <a:rPr lang="en-US" sz="3200" spc="300" dirty="0" smtClean="0"/>
-              <a:t>)</a:t>
+              <a:t>File I/O</a:t>
             </a:r>
           </a:p>
           <a:p>
@@ -10539,7 +10804,15 @@
             </a:pPr>
             <a:r>
               <a:rPr lang="en-US" sz="3200" spc="300" dirty="0" smtClean="0"/>
-              <a:t> Messaging?</a:t>
+              <a:t> </a:t>
+            </a:r>
+            <a:r>
+              <a:rPr lang="en-US" sz="3200" spc="300" dirty="0" err="1" smtClean="0"/>
+              <a:t>XMLNode</a:t>
+            </a:r>
+            <a:r>
+              <a:rPr lang="en-US" sz="3200" spc="300" dirty="0" smtClean="0"/>
+              <a:t> Methods</a:t>
             </a:r>
           </a:p>
         </p:txBody>
